--- a/docs/diagrams/Diagrams.pptx
+++ b/docs/diagrams/Diagrams.pptx
@@ -115,6 +115,22 @@
       </a:defRPr>
     </a:lvl9pPr>
   </p:defaultTextStyle>
+  <p:extLst>
+    <p:ext uri="{EFAFB233-063F-42B5-8137-9DF3F51BA10A}">
+      <p15:sldGuideLst xmlns:p15="http://schemas.microsoft.com/office/powerpoint/2012/main">
+        <p15:guide id="1" orient="horz" pos="1488">
+          <p15:clr>
+            <a:srgbClr val="A4A3A4"/>
+          </p15:clr>
+        </p15:guide>
+        <p15:guide id="2" pos="2880">
+          <p15:clr>
+            <a:srgbClr val="A4A3A4"/>
+          </p15:clr>
+        </p15:guide>
+      </p15:sldGuideLst>
+    </p:ext>
+  </p:extLst>
 </p:presentation>
 </file>
 
@@ -200,7 +216,7 @@
           <a:p>
             <a:fld id="{F5CC4B3F-88C1-4FFA-B1B6-F41C21DC6924}" type="datetimeFigureOut">
               <a:rPr lang="en-US" smtClean="0"/>
-              <a:t>9/30/2016</a:t>
+              <a:t>11/1/16</a:t>
             </a:fld>
             <a:endParaRPr lang="en-US"/>
           </a:p>
@@ -649,7 +665,7 @@
           <a:p>
             <a:fld id="{78C97017-6FC3-485B-9764-EAC9E56C1D49}" type="datetimeFigureOut">
               <a:rPr lang="en-US" smtClean="0"/>
-              <a:t>9/30/2016</a:t>
+              <a:t>11/1/16</a:t>
             </a:fld>
             <a:endParaRPr lang="en-US"/>
           </a:p>
@@ -819,7 +835,7 @@
           <a:p>
             <a:fld id="{78C97017-6FC3-485B-9764-EAC9E56C1D49}" type="datetimeFigureOut">
               <a:rPr lang="en-US" smtClean="0"/>
-              <a:t>9/30/2016</a:t>
+              <a:t>11/1/16</a:t>
             </a:fld>
             <a:endParaRPr lang="en-US"/>
           </a:p>
@@ -999,7 +1015,7 @@
           <a:p>
             <a:fld id="{78C97017-6FC3-485B-9764-EAC9E56C1D49}" type="datetimeFigureOut">
               <a:rPr lang="en-US" smtClean="0"/>
-              <a:t>9/30/2016</a:t>
+              <a:t>11/1/16</a:t>
             </a:fld>
             <a:endParaRPr lang="en-US"/>
           </a:p>
@@ -1169,7 +1185,7 @@
           <a:p>
             <a:fld id="{78C97017-6FC3-485B-9764-EAC9E56C1D49}" type="datetimeFigureOut">
               <a:rPr lang="en-US" smtClean="0"/>
-              <a:t>9/30/2016</a:t>
+              <a:t>11/1/16</a:t>
             </a:fld>
             <a:endParaRPr lang="en-US"/>
           </a:p>
@@ -1415,7 +1431,7 @@
           <a:p>
             <a:fld id="{78C97017-6FC3-485B-9764-EAC9E56C1D49}" type="datetimeFigureOut">
               <a:rPr lang="en-US" smtClean="0"/>
-              <a:t>9/30/2016</a:t>
+              <a:t>11/1/16</a:t>
             </a:fld>
             <a:endParaRPr lang="en-US"/>
           </a:p>
@@ -1703,7 +1719,7 @@
           <a:p>
             <a:fld id="{78C97017-6FC3-485B-9764-EAC9E56C1D49}" type="datetimeFigureOut">
               <a:rPr lang="en-US" smtClean="0"/>
-              <a:t>9/30/2016</a:t>
+              <a:t>11/1/16</a:t>
             </a:fld>
             <a:endParaRPr lang="en-US"/>
           </a:p>
@@ -2125,7 +2141,7 @@
           <a:p>
             <a:fld id="{78C97017-6FC3-485B-9764-EAC9E56C1D49}" type="datetimeFigureOut">
               <a:rPr lang="en-US" smtClean="0"/>
-              <a:t>9/30/2016</a:t>
+              <a:t>11/1/16</a:t>
             </a:fld>
             <a:endParaRPr lang="en-US"/>
           </a:p>
@@ -2243,7 +2259,7 @@
           <a:p>
             <a:fld id="{78C97017-6FC3-485B-9764-EAC9E56C1D49}" type="datetimeFigureOut">
               <a:rPr lang="en-US" smtClean="0"/>
-              <a:t>9/30/2016</a:t>
+              <a:t>11/1/16</a:t>
             </a:fld>
             <a:endParaRPr lang="en-US"/>
           </a:p>
@@ -2338,7 +2354,7 @@
           <a:p>
             <a:fld id="{78C97017-6FC3-485B-9764-EAC9E56C1D49}" type="datetimeFigureOut">
               <a:rPr lang="en-US" smtClean="0"/>
-              <a:t>9/30/2016</a:t>
+              <a:t>11/1/16</a:t>
             </a:fld>
             <a:endParaRPr lang="en-US"/>
           </a:p>
@@ -2615,7 +2631,7 @@
           <a:p>
             <a:fld id="{78C97017-6FC3-485B-9764-EAC9E56C1D49}" type="datetimeFigureOut">
               <a:rPr lang="en-US" smtClean="0"/>
-              <a:t>9/30/2016</a:t>
+              <a:t>11/1/16</a:t>
             </a:fld>
             <a:endParaRPr lang="en-US"/>
           </a:p>
@@ -2868,7 +2884,7 @@
           <a:p>
             <a:fld id="{78C97017-6FC3-485B-9764-EAC9E56C1D49}" type="datetimeFigureOut">
               <a:rPr lang="en-US" smtClean="0"/>
-              <a:t>9/30/2016</a:t>
+              <a:t>11/1/16</a:t>
             </a:fld>
             <a:endParaRPr lang="en-US"/>
           </a:p>
@@ -3081,7 +3097,7 @@
           <a:p>
             <a:fld id="{78C97017-6FC3-485B-9764-EAC9E56C1D49}" type="datetimeFigureOut">
               <a:rPr lang="en-US" smtClean="0"/>
-              <a:t>9/30/2016</a:t>
+              <a:t>11/1/16</a:t>
             </a:fld>
             <a:endParaRPr lang="en-US"/>
           </a:p>
@@ -4264,101 +4280,6 @@
       </p:sp>
       <p:sp>
         <p:nvSpPr>
-          <p:cNvPr id="51" name="Cloud 50"/>
-          <p:cNvSpPr/>
-          <p:nvPr/>
-        </p:nvSpPr>
-        <p:spPr>
-          <a:xfrm>
-            <a:off x="2650069" y="1447800"/>
-            <a:ext cx="914400" cy="533400"/>
-          </a:xfrm>
-          <a:prstGeom prst="cloud">
-            <a:avLst/>
-          </a:prstGeom>
-          <a:solidFill>
-            <a:schemeClr val="bg1"/>
-          </a:solidFill>
-          <a:ln>
-            <a:solidFill>
-              <a:schemeClr val="tx1"/>
-            </a:solidFill>
-          </a:ln>
-        </p:spPr>
-        <p:style>
-          <a:lnRef idx="2">
-            <a:schemeClr val="accent1">
-              <a:shade val="50000"/>
-            </a:schemeClr>
-          </a:lnRef>
-          <a:fillRef idx="1">
-            <a:schemeClr val="accent1"/>
-          </a:fillRef>
-          <a:effectRef idx="0">
-            <a:schemeClr val="accent1"/>
-          </a:effectRef>
-          <a:fontRef idx="minor">
-            <a:schemeClr val="lt1"/>
-          </a:fontRef>
-        </p:style>
-        <p:txBody>
-          <a:bodyPr rtlCol="0" anchor="ctr"/>
-          <a:lstStyle/>
-          <a:p>
-            <a:pPr algn="ctr"/>
-            <a:r>
-              <a:rPr lang="en-US" sz="1400" dirty="0">
-                <a:solidFill>
-                  <a:schemeClr val="tx1"/>
-                </a:solidFill>
-              </a:rPr>
-              <a:t>Web</a:t>
-            </a:r>
-          </a:p>
-        </p:txBody>
-      </p:sp>
-      <p:cxnSp>
-        <p:nvCxnSpPr>
-          <p:cNvPr id="52" name="Elbow Connector 51"/>
-          <p:cNvCxnSpPr>
-            <a:stCxn id="2" idx="0"/>
-            <a:endCxn id="51" idx="2"/>
-          </p:cNvCxnSpPr>
-          <p:nvPr/>
-        </p:nvCxnSpPr>
-        <p:spPr>
-          <a:xfrm rot="5400000" flipH="1" flipV="1">
-            <a:off x="2222648" y="1760922"/>
-            <a:ext cx="476678" cy="383835"/>
-          </a:xfrm>
-          <a:prstGeom prst="bentConnector2">
-            <a:avLst/>
-          </a:prstGeom>
-          <a:ln w="28575">
-            <a:solidFill>
-              <a:srgbClr val="00B050"/>
-            </a:solidFill>
-            <a:prstDash val="sysDot"/>
-            <a:tailEnd type="arrow"/>
-          </a:ln>
-        </p:spPr>
-        <p:style>
-          <a:lnRef idx="1">
-            <a:schemeClr val="accent1"/>
-          </a:lnRef>
-          <a:fillRef idx="0">
-            <a:schemeClr val="accent1"/>
-          </a:fillRef>
-          <a:effectRef idx="0">
-            <a:schemeClr val="accent1"/>
-          </a:effectRef>
-          <a:fontRef idx="minor">
-            <a:schemeClr val="tx1"/>
-          </a:fontRef>
-        </p:style>
-      </p:cxnSp>
-      <p:sp>
-        <p:nvSpPr>
           <p:cNvPr id="23" name="Rectangle 62"/>
           <p:cNvSpPr/>
           <p:nvPr/>
@@ -7641,74 +7562,14 @@
           <a:p>
             <a:pPr algn="ctr"/>
             <a:r>
-              <a:rPr lang="en-US" sz="1050" b="1" dirty="0" err="1">
+              <a:rPr lang="en-US" sz="1050" b="1" dirty="0" err="1" smtClean="0">
                 <a:solidFill>
                   <a:schemeClr val="accent3">
                     <a:lumMod val="75000"/>
                   </a:schemeClr>
                 </a:solidFill>
               </a:rPr>
-              <a:t>MainWindow</a:t>
-            </a:r>
-            <a:endParaRPr lang="en-SG" sz="1050" b="1" dirty="0">
-              <a:solidFill>
-                <a:schemeClr val="accent3">
-                  <a:lumMod val="75000"/>
-                </a:schemeClr>
-              </a:solidFill>
-            </a:endParaRPr>
-          </a:p>
-        </p:txBody>
-      </p:sp>
-      <p:sp>
-        <p:nvSpPr>
-          <p:cNvPr id="3" name="Rectangle 11"/>
-          <p:cNvSpPr/>
-          <p:nvPr/>
-        </p:nvSpPr>
-        <p:spPr>
-          <a:xfrm>
-            <a:off x="2592528" y="3179160"/>
-            <a:ext cx="1093635" cy="236841"/>
-          </a:xfrm>
-          <a:prstGeom prst="rect">
-            <a:avLst/>
-          </a:prstGeom>
-          <a:ln w="19050">
-            <a:solidFill>
-              <a:schemeClr val="accent3"/>
-            </a:solidFill>
-          </a:ln>
-          <a:effectLst/>
-        </p:spPr>
-        <p:style>
-          <a:lnRef idx="1">
-            <a:schemeClr val="accent3"/>
-          </a:lnRef>
-          <a:fillRef idx="2">
-            <a:schemeClr val="accent3"/>
-          </a:fillRef>
-          <a:effectRef idx="1">
-            <a:schemeClr val="accent3"/>
-          </a:effectRef>
-          <a:fontRef idx="minor">
-            <a:schemeClr val="dk1"/>
-          </a:fontRef>
-        </p:style>
-        <p:txBody>
-          <a:bodyPr rtlCol="0" anchor="ctr"/>
-          <a:lstStyle/>
-          <a:p>
-            <a:pPr algn="ctr"/>
-            <a:r>
-              <a:rPr lang="en-US" sz="1050" b="1" dirty="0" err="1">
-                <a:solidFill>
-                  <a:schemeClr val="accent3">
-                    <a:lumMod val="75000"/>
-                  </a:schemeClr>
-                </a:solidFill>
-              </a:rPr>
-              <a:t>CommandBox</a:t>
+              <a:t>MainController</a:t>
             </a:r>
             <a:endParaRPr lang="en-SG" sz="1050" b="1" dirty="0">
               <a:solidFill>
@@ -7975,14 +7836,14 @@
       </p:sp>
       <p:sp>
         <p:nvSpPr>
-          <p:cNvPr id="34" name="Rectangle 11"/>
+          <p:cNvPr id="36" name="Rectangle 11"/>
           <p:cNvSpPr/>
           <p:nvPr/>
         </p:nvSpPr>
         <p:spPr>
           <a:xfrm>
-            <a:off x="2592528" y="3649359"/>
-            <a:ext cx="1093635" cy="236841"/>
+            <a:off x="2897051" y="3716058"/>
+            <a:ext cx="1293674" cy="236841"/>
           </a:xfrm>
           <a:prstGeom prst="rect">
             <a:avLst/>
@@ -8014,14 +7875,14 @@
           <a:p>
             <a:pPr algn="ctr"/>
             <a:r>
-              <a:rPr lang="en-US" sz="1050" b="1" dirty="0" err="1">
+              <a:rPr lang="en-US" sz="1050" b="1" smtClean="0">
                 <a:solidFill>
                   <a:schemeClr val="accent3">
                     <a:lumMod val="75000"/>
                   </a:schemeClr>
                 </a:solidFill>
               </a:rPr>
-              <a:t>BrowserPanel</a:t>
+              <a:t>HelpViewController</a:t>
             </a:r>
             <a:endParaRPr lang="en-SG" sz="1050" b="1" dirty="0">
               <a:solidFill>
@@ -8035,14 +7896,14 @@
       </p:sp>
       <p:sp>
         <p:nvSpPr>
-          <p:cNvPr id="35" name="Rectangle 11"/>
+          <p:cNvPr id="37" name="Rectangle 11"/>
           <p:cNvSpPr/>
           <p:nvPr/>
         </p:nvSpPr>
         <p:spPr>
           <a:xfrm>
-            <a:off x="2592527" y="4563759"/>
-            <a:ext cx="1093635" cy="236841"/>
+            <a:off x="5181600" y="4030012"/>
+            <a:ext cx="1040906" cy="236841"/>
           </a:xfrm>
           <a:prstGeom prst="rect">
             <a:avLst/>
@@ -8074,14 +7935,14 @@
           <a:p>
             <a:pPr algn="ctr"/>
             <a:r>
-              <a:rPr lang="en-US" sz="1050" b="1" dirty="0" err="1">
+              <a:rPr lang="en-US" sz="1050" b="1" dirty="0" err="1" smtClean="0">
                 <a:solidFill>
                   <a:schemeClr val="accent3">
                     <a:lumMod val="75000"/>
                   </a:schemeClr>
                 </a:solidFill>
               </a:rPr>
-              <a:t>StatusBarFooter</a:t>
+              <a:t>TaskCard</a:t>
             </a:r>
             <a:endParaRPr lang="en-SG" sz="1050" b="1" dirty="0">
               <a:solidFill>
@@ -8095,13 +7956,13 @@
       </p:sp>
       <p:sp>
         <p:nvSpPr>
-          <p:cNvPr id="36" name="Rectangle 11"/>
+          <p:cNvPr id="38" name="Rectangle 11"/>
           <p:cNvSpPr/>
           <p:nvPr/>
         </p:nvSpPr>
         <p:spPr>
           <a:xfrm>
-            <a:off x="2592526" y="3991960"/>
+            <a:off x="2996509" y="4181253"/>
             <a:ext cx="1093635" cy="236841"/>
           </a:xfrm>
           <a:prstGeom prst="rect">
@@ -8134,14 +7995,14 @@
           <a:p>
             <a:pPr algn="ctr"/>
             <a:r>
-              <a:rPr lang="en-US" sz="1050" b="1" dirty="0" err="1">
+              <a:rPr lang="en-US" sz="1050" b="1" smtClean="0">
                 <a:solidFill>
                   <a:schemeClr val="accent3">
                     <a:lumMod val="75000"/>
                   </a:schemeClr>
                 </a:solidFill>
               </a:rPr>
-              <a:t>PersonListPanel</a:t>
+              <a:t>HelpList</a:t>
             </a:r>
             <a:endParaRPr lang="en-SG" sz="1050" b="1" dirty="0">
               <a:solidFill>
@@ -8155,14 +8016,14 @@
       </p:sp>
       <p:sp>
         <p:nvSpPr>
-          <p:cNvPr id="37" name="Rectangle 11"/>
+          <p:cNvPr id="43" name="Rectangle 11"/>
           <p:cNvSpPr/>
           <p:nvPr/>
         </p:nvSpPr>
         <p:spPr>
           <a:xfrm>
-            <a:off x="3839323" y="4228801"/>
-            <a:ext cx="1040906" cy="236841"/>
+            <a:off x="4505330" y="3650626"/>
+            <a:ext cx="1024639" cy="236841"/>
           </a:xfrm>
           <a:prstGeom prst="rect">
             <a:avLst/>
@@ -8194,14 +8055,14 @@
           <a:p>
             <a:pPr algn="ctr"/>
             <a:r>
-              <a:rPr lang="en-US" sz="1050" b="1" dirty="0" err="1">
+              <a:rPr lang="en-US" sz="1050" b="1" smtClean="0">
                 <a:solidFill>
                   <a:schemeClr val="accent3">
                     <a:lumMod val="75000"/>
                   </a:schemeClr>
                 </a:solidFill>
               </a:rPr>
-              <a:t>PersonCard</a:t>
+              <a:t>TaskList</a:t>
             </a:r>
             <a:endParaRPr lang="en-SG" sz="1050" b="1" dirty="0">
               <a:solidFill>
@@ -8213,378 +8074,6 @@
           </a:p>
         </p:txBody>
       </p:sp>
-      <p:sp>
-        <p:nvSpPr>
-          <p:cNvPr id="38" name="Rectangle 11"/>
-          <p:cNvSpPr/>
-          <p:nvPr/>
-        </p:nvSpPr>
-        <p:spPr>
-          <a:xfrm>
-            <a:off x="2592528" y="4966000"/>
-            <a:ext cx="1093635" cy="236841"/>
-          </a:xfrm>
-          <a:prstGeom prst="rect">
-            <a:avLst/>
-          </a:prstGeom>
-          <a:ln w="19050">
-            <a:solidFill>
-              <a:schemeClr val="accent3"/>
-            </a:solidFill>
-          </a:ln>
-          <a:effectLst/>
-        </p:spPr>
-        <p:style>
-          <a:lnRef idx="1">
-            <a:schemeClr val="accent3"/>
-          </a:lnRef>
-          <a:fillRef idx="2">
-            <a:schemeClr val="accent3"/>
-          </a:fillRef>
-          <a:effectRef idx="1">
-            <a:schemeClr val="accent3"/>
-          </a:effectRef>
-          <a:fontRef idx="minor">
-            <a:schemeClr val="dk1"/>
-          </a:fontRef>
-        </p:style>
-        <p:txBody>
-          <a:bodyPr rtlCol="0" anchor="ctr"/>
-          <a:lstStyle/>
-          <a:p>
-            <a:pPr algn="ctr"/>
-            <a:r>
-              <a:rPr lang="en-US" sz="1050" b="1" dirty="0" err="1">
-                <a:solidFill>
-                  <a:schemeClr val="accent3">
-                    <a:lumMod val="75000"/>
-                  </a:schemeClr>
-                </a:solidFill>
-              </a:rPr>
-              <a:t>HelpWindow</a:t>
-            </a:r>
-            <a:endParaRPr lang="en-SG" sz="1050" b="1" dirty="0">
-              <a:solidFill>
-                <a:schemeClr val="accent3">
-                  <a:lumMod val="75000"/>
-                </a:schemeClr>
-              </a:solidFill>
-            </a:endParaRPr>
-          </a:p>
-        </p:txBody>
-      </p:sp>
-      <p:sp>
-        <p:nvSpPr>
-          <p:cNvPr id="39" name="Flowchart: Decision 38"/>
-          <p:cNvSpPr/>
-          <p:nvPr/>
-        </p:nvSpPr>
-        <p:spPr>
-          <a:xfrm>
-            <a:off x="2324548" y="2706452"/>
-            <a:ext cx="183156" cy="161573"/>
-          </a:xfrm>
-          <a:prstGeom prst="flowChartDecision">
-            <a:avLst/>
-          </a:prstGeom>
-          <a:solidFill>
-            <a:schemeClr val="accent3"/>
-          </a:solidFill>
-          <a:ln>
-            <a:solidFill>
-              <a:schemeClr val="accent3"/>
-            </a:solidFill>
-          </a:ln>
-        </p:spPr>
-        <p:style>
-          <a:lnRef idx="2">
-            <a:schemeClr val="accent1">
-              <a:shade val="50000"/>
-            </a:schemeClr>
-          </a:lnRef>
-          <a:fillRef idx="1">
-            <a:schemeClr val="accent1"/>
-          </a:fillRef>
-          <a:effectRef idx="0">
-            <a:schemeClr val="accent1"/>
-          </a:effectRef>
-          <a:fontRef idx="minor">
-            <a:schemeClr val="lt1"/>
-          </a:fontRef>
-        </p:style>
-        <p:txBody>
-          <a:bodyPr rtlCol="0" anchor="ctr"/>
-          <a:lstStyle/>
-          <a:p>
-            <a:pPr algn="ctr"/>
-            <a:endParaRPr lang="en-SG"/>
-          </a:p>
-        </p:txBody>
-      </p:sp>
-      <p:cxnSp>
-        <p:nvCxnSpPr>
-          <p:cNvPr id="40" name="Elbow Connector 63"/>
-          <p:cNvCxnSpPr>
-            <a:stCxn id="39" idx="2"/>
-            <a:endCxn id="3" idx="1"/>
-          </p:cNvCxnSpPr>
-          <p:nvPr/>
-        </p:nvCxnSpPr>
-        <p:spPr>
-          <a:xfrm rot="16200000" flipH="1">
-            <a:off x="2289549" y="2994602"/>
-            <a:ext cx="429556" cy="176402"/>
-          </a:xfrm>
-          <a:prstGeom prst="bentConnector2">
-            <a:avLst/>
-          </a:prstGeom>
-          <a:ln w="19050">
-            <a:solidFill>
-              <a:schemeClr val="accent3"/>
-            </a:solidFill>
-            <a:headEnd type="none" w="med" len="med"/>
-            <a:tailEnd type="arrow" w="med" len="med"/>
-          </a:ln>
-          <a:effectLst/>
-        </p:spPr>
-        <p:style>
-          <a:lnRef idx="1">
-            <a:schemeClr val="accent2"/>
-          </a:lnRef>
-          <a:fillRef idx="2">
-            <a:schemeClr val="accent2"/>
-          </a:fillRef>
-          <a:effectRef idx="1">
-            <a:schemeClr val="accent2"/>
-          </a:effectRef>
-          <a:fontRef idx="minor">
-            <a:schemeClr val="dk1"/>
-          </a:fontRef>
-        </p:style>
-      </p:cxnSp>
-      <p:sp>
-        <p:nvSpPr>
-          <p:cNvPr id="43" name="Rectangle 11"/>
-          <p:cNvSpPr/>
-          <p:nvPr/>
-        </p:nvSpPr>
-        <p:spPr>
-          <a:xfrm>
-            <a:off x="3759694" y="3416961"/>
-            <a:ext cx="1040906" cy="236841"/>
-          </a:xfrm>
-          <a:prstGeom prst="rect">
-            <a:avLst/>
-          </a:prstGeom>
-          <a:ln w="19050">
-            <a:solidFill>
-              <a:schemeClr val="accent3"/>
-            </a:solidFill>
-          </a:ln>
-          <a:effectLst/>
-        </p:spPr>
-        <p:style>
-          <a:lnRef idx="1">
-            <a:schemeClr val="accent3"/>
-          </a:lnRef>
-          <a:fillRef idx="2">
-            <a:schemeClr val="accent3"/>
-          </a:fillRef>
-          <a:effectRef idx="1">
-            <a:schemeClr val="accent3"/>
-          </a:effectRef>
-          <a:fontRef idx="minor">
-            <a:schemeClr val="dk1"/>
-          </a:fontRef>
-        </p:style>
-        <p:txBody>
-          <a:bodyPr rtlCol="0" anchor="ctr"/>
-          <a:lstStyle/>
-          <a:p>
-            <a:pPr algn="ctr"/>
-            <a:r>
-              <a:rPr lang="en-US" sz="1050" b="1" dirty="0" err="1">
-                <a:solidFill>
-                  <a:schemeClr val="accent3">
-                    <a:lumMod val="75000"/>
-                  </a:schemeClr>
-                </a:solidFill>
-              </a:rPr>
-              <a:t>ResultsDisplay</a:t>
-            </a:r>
-            <a:endParaRPr lang="en-SG" sz="1050" b="1" dirty="0">
-              <a:solidFill>
-                <a:schemeClr val="accent3">
-                  <a:lumMod val="75000"/>
-                </a:schemeClr>
-              </a:solidFill>
-            </a:endParaRPr>
-          </a:p>
-        </p:txBody>
-      </p:sp>
-      <p:cxnSp>
-        <p:nvCxnSpPr>
-          <p:cNvPr id="44" name="Elbow Connector 63"/>
-          <p:cNvCxnSpPr>
-            <a:stCxn id="39" idx="2"/>
-            <a:endCxn id="34" idx="1"/>
-          </p:cNvCxnSpPr>
-          <p:nvPr/>
-        </p:nvCxnSpPr>
-        <p:spPr>
-          <a:xfrm rot="16200000" flipH="1">
-            <a:off x="2054450" y="3229701"/>
-            <a:ext cx="899755" cy="176402"/>
-          </a:xfrm>
-          <a:prstGeom prst="bentConnector2">
-            <a:avLst/>
-          </a:prstGeom>
-          <a:ln w="19050">
-            <a:solidFill>
-              <a:schemeClr val="accent3"/>
-            </a:solidFill>
-            <a:headEnd type="none" w="med" len="med"/>
-            <a:tailEnd type="arrow" w="med" len="med"/>
-          </a:ln>
-          <a:effectLst/>
-        </p:spPr>
-        <p:style>
-          <a:lnRef idx="1">
-            <a:schemeClr val="accent2"/>
-          </a:lnRef>
-          <a:fillRef idx="2">
-            <a:schemeClr val="accent2"/>
-          </a:fillRef>
-          <a:effectRef idx="1">
-            <a:schemeClr val="accent2"/>
-          </a:effectRef>
-          <a:fontRef idx="minor">
-            <a:schemeClr val="dk1"/>
-          </a:fontRef>
-        </p:style>
-      </p:cxnSp>
-      <p:cxnSp>
-        <p:nvCxnSpPr>
-          <p:cNvPr id="47" name="Elbow Connector 63"/>
-          <p:cNvCxnSpPr>
-            <a:stCxn id="39" idx="2"/>
-            <a:endCxn id="36" idx="1"/>
-          </p:cNvCxnSpPr>
-          <p:nvPr/>
-        </p:nvCxnSpPr>
-        <p:spPr>
-          <a:xfrm rot="16200000" flipH="1">
-            <a:off x="1883148" y="3401003"/>
-            <a:ext cx="1242356" cy="176400"/>
-          </a:xfrm>
-          <a:prstGeom prst="bentConnector2">
-            <a:avLst/>
-          </a:prstGeom>
-          <a:ln w="19050">
-            <a:solidFill>
-              <a:schemeClr val="accent3"/>
-            </a:solidFill>
-            <a:headEnd type="none" w="med" len="med"/>
-            <a:tailEnd type="arrow" w="med" len="med"/>
-          </a:ln>
-          <a:effectLst/>
-        </p:spPr>
-        <p:style>
-          <a:lnRef idx="1">
-            <a:schemeClr val="accent2"/>
-          </a:lnRef>
-          <a:fillRef idx="2">
-            <a:schemeClr val="accent2"/>
-          </a:fillRef>
-          <a:effectRef idx="1">
-            <a:schemeClr val="accent2"/>
-          </a:effectRef>
-          <a:fontRef idx="minor">
-            <a:schemeClr val="dk1"/>
-          </a:fontRef>
-        </p:style>
-      </p:cxnSp>
-      <p:cxnSp>
-        <p:nvCxnSpPr>
-          <p:cNvPr id="50" name="Elbow Connector 63"/>
-          <p:cNvCxnSpPr>
-            <a:stCxn id="39" idx="2"/>
-            <a:endCxn id="35" idx="1"/>
-          </p:cNvCxnSpPr>
-          <p:nvPr/>
-        </p:nvCxnSpPr>
-        <p:spPr>
-          <a:xfrm rot="16200000" flipH="1">
-            <a:off x="1597249" y="3686901"/>
-            <a:ext cx="1814155" cy="176401"/>
-          </a:xfrm>
-          <a:prstGeom prst="bentConnector2">
-            <a:avLst/>
-          </a:prstGeom>
-          <a:ln w="19050">
-            <a:solidFill>
-              <a:schemeClr val="accent3"/>
-            </a:solidFill>
-            <a:headEnd type="none" w="med" len="med"/>
-            <a:tailEnd type="arrow" w="med" len="med"/>
-          </a:ln>
-          <a:effectLst/>
-        </p:spPr>
-        <p:style>
-          <a:lnRef idx="1">
-            <a:schemeClr val="accent2"/>
-          </a:lnRef>
-          <a:fillRef idx="2">
-            <a:schemeClr val="accent2"/>
-          </a:fillRef>
-          <a:effectRef idx="1">
-            <a:schemeClr val="accent2"/>
-          </a:effectRef>
-          <a:fontRef idx="minor">
-            <a:schemeClr val="dk1"/>
-          </a:fontRef>
-        </p:style>
-      </p:cxnSp>
-      <p:cxnSp>
-        <p:nvCxnSpPr>
-          <p:cNvPr id="53" name="Elbow Connector 63"/>
-          <p:cNvCxnSpPr>
-            <a:endCxn id="38" idx="1"/>
-          </p:cNvCxnSpPr>
-          <p:nvPr/>
-        </p:nvCxnSpPr>
-        <p:spPr>
-          <a:xfrm rot="16200000" flipH="1">
-            <a:off x="1184119" y="3676012"/>
-            <a:ext cx="2396440" cy="420377"/>
-          </a:xfrm>
-          <a:prstGeom prst="bentConnector2">
-            <a:avLst/>
-          </a:prstGeom>
-          <a:ln w="19050">
-            <a:solidFill>
-              <a:schemeClr val="accent3"/>
-            </a:solidFill>
-            <a:headEnd type="none" w="med" len="med"/>
-            <a:tailEnd type="arrow" w="med" len="med"/>
-          </a:ln>
-          <a:effectLst/>
-        </p:spPr>
-        <p:style>
-          <a:lnRef idx="1">
-            <a:schemeClr val="accent2"/>
-          </a:lnRef>
-          <a:fillRef idx="2">
-            <a:schemeClr val="accent2"/>
-          </a:fillRef>
-          <a:effectRef idx="1">
-            <a:schemeClr val="accent2"/>
-          </a:effectRef>
-          <a:fontRef idx="minor">
-            <a:schemeClr val="dk1"/>
-          </a:fontRef>
-        </p:style>
-      </p:cxnSp>
       <p:sp>
         <p:nvSpPr>
           <p:cNvPr id="73" name="Rectangle 62"/>
@@ -8666,129 +8155,6 @@
       </p:sp>
       <p:cxnSp>
         <p:nvCxnSpPr>
-          <p:cNvPr id="74" name="Elbow Connector 63"/>
-          <p:cNvCxnSpPr>
-            <a:stCxn id="43" idx="3"/>
-            <a:endCxn id="16" idx="3"/>
-          </p:cNvCxnSpPr>
-          <p:nvPr/>
-        </p:nvCxnSpPr>
-        <p:spPr>
-          <a:xfrm flipV="1">
-            <a:off x="4800600" y="2286000"/>
-            <a:ext cx="729369" cy="1249382"/>
-          </a:xfrm>
-          <a:prstGeom prst="bentConnector2">
-            <a:avLst/>
-          </a:prstGeom>
-          <a:ln w="6350">
-            <a:solidFill>
-              <a:schemeClr val="accent3"/>
-            </a:solidFill>
-            <a:headEnd type="none" w="med" len="med"/>
-            <a:tailEnd type="none" w="med" len="med"/>
-          </a:ln>
-          <a:effectLst/>
-        </p:spPr>
-        <p:style>
-          <a:lnRef idx="1">
-            <a:schemeClr val="accent2"/>
-          </a:lnRef>
-          <a:fillRef idx="2">
-            <a:schemeClr val="accent2"/>
-          </a:fillRef>
-          <a:effectRef idx="1">
-            <a:schemeClr val="accent2"/>
-          </a:effectRef>
-          <a:fontRef idx="minor">
-            <a:schemeClr val="dk1"/>
-          </a:fontRef>
-        </p:style>
-      </p:cxnSp>
-      <p:cxnSp>
-        <p:nvCxnSpPr>
-          <p:cNvPr id="77" name="Elbow Connector 63"/>
-          <p:cNvCxnSpPr>
-            <a:stCxn id="16" idx="3"/>
-            <a:endCxn id="37" idx="3"/>
-          </p:cNvCxnSpPr>
-          <p:nvPr/>
-        </p:nvCxnSpPr>
-        <p:spPr>
-          <a:xfrm rot="5400000">
-            <a:off x="4174488" y="2991741"/>
-            <a:ext cx="2061222" cy="649740"/>
-          </a:xfrm>
-          <a:prstGeom prst="bentConnector2">
-            <a:avLst/>
-          </a:prstGeom>
-          <a:ln w="6350">
-            <a:solidFill>
-              <a:schemeClr val="accent3"/>
-            </a:solidFill>
-            <a:headEnd type="none" w="med" len="med"/>
-            <a:tailEnd type="none" w="med" len="med"/>
-          </a:ln>
-          <a:effectLst/>
-        </p:spPr>
-        <p:style>
-          <a:lnRef idx="1">
-            <a:schemeClr val="accent2"/>
-          </a:lnRef>
-          <a:fillRef idx="2">
-            <a:schemeClr val="accent2"/>
-          </a:fillRef>
-          <a:effectRef idx="1">
-            <a:schemeClr val="accent2"/>
-          </a:effectRef>
-          <a:fontRef idx="minor">
-            <a:schemeClr val="dk1"/>
-          </a:fontRef>
-        </p:style>
-      </p:cxnSp>
-      <p:cxnSp>
-        <p:nvCxnSpPr>
-          <p:cNvPr id="82" name="Elbow Connector 63"/>
-          <p:cNvCxnSpPr>
-            <a:stCxn id="16" idx="3"/>
-            <a:endCxn id="34" idx="3"/>
-          </p:cNvCxnSpPr>
-          <p:nvPr/>
-        </p:nvCxnSpPr>
-        <p:spPr>
-          <a:xfrm rot="5400000">
-            <a:off x="3867176" y="2104987"/>
-            <a:ext cx="1481780" cy="1843806"/>
-          </a:xfrm>
-          <a:prstGeom prst="bentConnector2">
-            <a:avLst/>
-          </a:prstGeom>
-          <a:ln w="6350">
-            <a:solidFill>
-              <a:schemeClr val="accent3"/>
-            </a:solidFill>
-            <a:headEnd type="none" w="med" len="med"/>
-            <a:tailEnd type="none" w="med" len="med"/>
-          </a:ln>
-          <a:effectLst/>
-        </p:spPr>
-        <p:style>
-          <a:lnRef idx="1">
-            <a:schemeClr val="accent2"/>
-          </a:lnRef>
-          <a:fillRef idx="2">
-            <a:schemeClr val="accent2"/>
-          </a:fillRef>
-          <a:effectRef idx="1">
-            <a:schemeClr val="accent2"/>
-          </a:effectRef>
-          <a:fontRef idx="minor">
-            <a:schemeClr val="dk1"/>
-          </a:fontRef>
-        </p:style>
-      </p:cxnSp>
-      <p:cxnSp>
-        <p:nvCxnSpPr>
           <p:cNvPr id="88" name="Elbow Connector 63"/>
           <p:cNvCxnSpPr>
             <a:stCxn id="2" idx="3"/>
@@ -8800,88 +8166,6 @@
           <a:xfrm flipV="1">
             <a:off x="3189583" y="2286000"/>
             <a:ext cx="2340386" cy="228600"/>
-          </a:xfrm>
-          <a:prstGeom prst="bentConnector2">
-            <a:avLst/>
-          </a:prstGeom>
-          <a:ln w="6350">
-            <a:solidFill>
-              <a:schemeClr val="accent3"/>
-            </a:solidFill>
-            <a:headEnd type="none" w="med" len="med"/>
-            <a:tailEnd type="none" w="med" len="med"/>
-          </a:ln>
-          <a:effectLst/>
-        </p:spPr>
-        <p:style>
-          <a:lnRef idx="1">
-            <a:schemeClr val="accent2"/>
-          </a:lnRef>
-          <a:fillRef idx="2">
-            <a:schemeClr val="accent2"/>
-          </a:fillRef>
-          <a:effectRef idx="1">
-            <a:schemeClr val="accent2"/>
-          </a:effectRef>
-          <a:fontRef idx="minor">
-            <a:schemeClr val="dk1"/>
-          </a:fontRef>
-        </p:style>
-      </p:cxnSp>
-      <p:cxnSp>
-        <p:nvCxnSpPr>
-          <p:cNvPr id="91" name="Elbow Connector 63"/>
-          <p:cNvCxnSpPr>
-            <a:stCxn id="16" idx="3"/>
-            <a:endCxn id="35" idx="3"/>
-          </p:cNvCxnSpPr>
-          <p:nvPr/>
-        </p:nvCxnSpPr>
-        <p:spPr>
-          <a:xfrm rot="5400000">
-            <a:off x="3409976" y="2562187"/>
-            <a:ext cx="2396180" cy="1843807"/>
-          </a:xfrm>
-          <a:prstGeom prst="bentConnector2">
-            <a:avLst/>
-          </a:prstGeom>
-          <a:ln w="6350">
-            <a:solidFill>
-              <a:schemeClr val="accent3"/>
-            </a:solidFill>
-            <a:headEnd type="none" w="med" len="med"/>
-            <a:tailEnd type="none" w="med" len="med"/>
-          </a:ln>
-          <a:effectLst/>
-        </p:spPr>
-        <p:style>
-          <a:lnRef idx="1">
-            <a:schemeClr val="accent2"/>
-          </a:lnRef>
-          <a:fillRef idx="2">
-            <a:schemeClr val="accent2"/>
-          </a:fillRef>
-          <a:effectRef idx="1">
-            <a:schemeClr val="accent2"/>
-          </a:effectRef>
-          <a:fontRef idx="minor">
-            <a:schemeClr val="dk1"/>
-          </a:fontRef>
-        </p:style>
-      </p:cxnSp>
-      <p:cxnSp>
-        <p:nvCxnSpPr>
-          <p:cNvPr id="94" name="Elbow Connector 63"/>
-          <p:cNvCxnSpPr>
-            <a:stCxn id="16" idx="3"/>
-            <a:endCxn id="38" idx="3"/>
-          </p:cNvCxnSpPr>
-          <p:nvPr/>
-        </p:nvCxnSpPr>
-        <p:spPr>
-          <a:xfrm rot="5400000">
-            <a:off x="3208856" y="2763307"/>
-            <a:ext cx="2798421" cy="1843806"/>
           </a:xfrm>
           <a:prstGeom prst="bentConnector2">
             <a:avLst/>
@@ -9311,17 +8595,17 @@
       </p:cxnSp>
       <p:cxnSp>
         <p:nvCxnSpPr>
-          <p:cNvPr id="131" name="Elbow Connector 130"/>
+          <p:cNvPr id="137" name="Elbow Connector 136"/>
           <p:cNvCxnSpPr>
-            <a:stCxn id="3" idx="2"/>
-            <a:endCxn id="43" idx="1"/>
+            <a:stCxn id="43" idx="2"/>
+            <a:endCxn id="37" idx="1"/>
           </p:cNvCxnSpPr>
           <p:nvPr/>
         </p:nvCxnSpPr>
         <p:spPr>
           <a:xfrm rot="16200000" flipH="1">
-            <a:off x="3389830" y="3165517"/>
-            <a:ext cx="119381" cy="620348"/>
+            <a:off x="4969142" y="3935975"/>
+            <a:ext cx="260966" cy="163950"/>
           </a:xfrm>
           <a:prstGeom prst="bentConnector2">
             <a:avLst/>
@@ -9332,129 +8616,6 @@
             </a:solidFill>
             <a:headEnd type="none" w="med" len="med"/>
             <a:tailEnd type="arrow" w="med" len="med"/>
-          </a:ln>
-          <a:effectLst/>
-        </p:spPr>
-        <p:style>
-          <a:lnRef idx="1">
-            <a:schemeClr val="accent2"/>
-          </a:lnRef>
-          <a:fillRef idx="2">
-            <a:schemeClr val="accent2"/>
-          </a:fillRef>
-          <a:effectRef idx="1">
-            <a:schemeClr val="accent2"/>
-          </a:effectRef>
-          <a:fontRef idx="minor">
-            <a:schemeClr val="dk1"/>
-          </a:fontRef>
-        </p:style>
-      </p:cxnSp>
-      <p:cxnSp>
-        <p:nvCxnSpPr>
-          <p:cNvPr id="132" name="Elbow Connector 63"/>
-          <p:cNvCxnSpPr>
-            <a:stCxn id="16" idx="3"/>
-            <a:endCxn id="3" idx="3"/>
-          </p:cNvCxnSpPr>
-          <p:nvPr/>
-        </p:nvCxnSpPr>
-        <p:spPr>
-          <a:xfrm rot="5400000">
-            <a:off x="4102276" y="1869887"/>
-            <a:ext cx="1011581" cy="1843806"/>
-          </a:xfrm>
-          <a:prstGeom prst="bentConnector2">
-            <a:avLst/>
-          </a:prstGeom>
-          <a:ln w="6350">
-            <a:solidFill>
-              <a:schemeClr val="accent3"/>
-            </a:solidFill>
-            <a:headEnd type="none" w="med" len="med"/>
-            <a:tailEnd type="none" w="med" len="med"/>
-          </a:ln>
-          <a:effectLst/>
-        </p:spPr>
-        <p:style>
-          <a:lnRef idx="1">
-            <a:schemeClr val="accent2"/>
-          </a:lnRef>
-          <a:fillRef idx="2">
-            <a:schemeClr val="accent2"/>
-          </a:fillRef>
-          <a:effectRef idx="1">
-            <a:schemeClr val="accent2"/>
-          </a:effectRef>
-          <a:fontRef idx="minor">
-            <a:schemeClr val="dk1"/>
-          </a:fontRef>
-        </p:style>
-      </p:cxnSp>
-      <p:cxnSp>
-        <p:nvCxnSpPr>
-          <p:cNvPr id="137" name="Elbow Connector 136"/>
-          <p:cNvCxnSpPr>
-            <a:stCxn id="36" idx="2"/>
-            <a:endCxn id="37" idx="1"/>
-          </p:cNvCxnSpPr>
-          <p:nvPr/>
-        </p:nvCxnSpPr>
-        <p:spPr>
-          <a:xfrm rot="16200000" flipH="1">
-            <a:off x="3430123" y="3938021"/>
-            <a:ext cx="118421" cy="699979"/>
-          </a:xfrm>
-          <a:prstGeom prst="bentConnector2">
-            <a:avLst/>
-          </a:prstGeom>
-          <a:ln w="19050">
-            <a:solidFill>
-              <a:schemeClr val="accent3"/>
-            </a:solidFill>
-            <a:headEnd type="none" w="med" len="med"/>
-            <a:tailEnd type="arrow" w="med" len="med"/>
-          </a:ln>
-          <a:effectLst/>
-        </p:spPr>
-        <p:style>
-          <a:lnRef idx="1">
-            <a:schemeClr val="accent2"/>
-          </a:lnRef>
-          <a:fillRef idx="2">
-            <a:schemeClr val="accent2"/>
-          </a:fillRef>
-          <a:effectRef idx="1">
-            <a:schemeClr val="accent2"/>
-          </a:effectRef>
-          <a:fontRef idx="minor">
-            <a:schemeClr val="dk1"/>
-          </a:fontRef>
-        </p:style>
-      </p:cxnSp>
-      <p:cxnSp>
-        <p:nvCxnSpPr>
-          <p:cNvPr id="140" name="Elbow Connector 63"/>
-          <p:cNvCxnSpPr>
-            <a:stCxn id="16" idx="3"/>
-            <a:endCxn id="36" idx="3"/>
-          </p:cNvCxnSpPr>
-          <p:nvPr/>
-        </p:nvCxnSpPr>
-        <p:spPr>
-          <a:xfrm rot="5400000">
-            <a:off x="3695875" y="2276286"/>
-            <a:ext cx="1824381" cy="1843808"/>
-          </a:xfrm>
-          <a:prstGeom prst="bentConnector2">
-            <a:avLst/>
-          </a:prstGeom>
-          <a:ln w="6350">
-            <a:solidFill>
-              <a:schemeClr val="accent3"/>
-            </a:solidFill>
-            <a:headEnd type="none" w="med" len="med"/>
-            <a:tailEnd type="none" w="med" len="med"/>
           </a:ln>
           <a:effectLst/>
         </p:spPr>
@@ -9528,88 +8689,6 @@
       </p:sp>
       <p:sp>
         <p:nvSpPr>
-          <p:cNvPr id="116" name="Freeform 115"/>
-          <p:cNvSpPr/>
-          <p:nvPr/>
-        </p:nvSpPr>
-        <p:spPr>
-          <a:xfrm>
-            <a:off x="3687515" y="2981202"/>
-            <a:ext cx="3048000" cy="203200"/>
-          </a:xfrm>
-          <a:custGeom>
-            <a:avLst/>
-            <a:gdLst>
-              <a:gd name="connsiteX0" fmla="*/ 0 w 3048000"/>
-              <a:gd name="connsiteY0" fmla="*/ 203200 h 203200"/>
-              <a:gd name="connsiteX1" fmla="*/ 221673 w 3048000"/>
-              <a:gd name="connsiteY1" fmla="*/ 0 h 203200"/>
-              <a:gd name="connsiteX2" fmla="*/ 3048000 w 3048000"/>
-              <a:gd name="connsiteY2" fmla="*/ 0 h 203200"/>
-            </a:gdLst>
-            <a:ahLst/>
-            <a:cxnLst>
-              <a:cxn ang="0">
-                <a:pos x="connsiteX0" y="connsiteY0"/>
-              </a:cxn>
-              <a:cxn ang="0">
-                <a:pos x="connsiteX1" y="connsiteY1"/>
-              </a:cxn>
-              <a:cxn ang="0">
-                <a:pos x="connsiteX2" y="connsiteY2"/>
-              </a:cxn>
-            </a:cxnLst>
-            <a:rect l="l" t="t" r="r" b="b"/>
-            <a:pathLst>
-              <a:path w="3048000" h="203200">
-                <a:moveTo>
-                  <a:pt x="0" y="203200"/>
-                </a:moveTo>
-                <a:lnTo>
-                  <a:pt x="221673" y="0"/>
-                </a:lnTo>
-                <a:lnTo>
-                  <a:pt x="3048000" y="0"/>
-                </a:lnTo>
-              </a:path>
-            </a:pathLst>
-          </a:custGeom>
-          <a:noFill/>
-          <a:ln w="19050">
-            <a:solidFill>
-              <a:schemeClr val="accent3"/>
-            </a:solidFill>
-            <a:prstDash val="solid"/>
-            <a:headEnd type="none" w="med" len="med"/>
-            <a:tailEnd type="arrow" w="med" len="med"/>
-          </a:ln>
-          <a:effectLst/>
-        </p:spPr>
-        <p:style>
-          <a:lnRef idx="1">
-            <a:schemeClr val="accent2"/>
-          </a:lnRef>
-          <a:fillRef idx="2">
-            <a:schemeClr val="accent2"/>
-          </a:fillRef>
-          <a:effectRef idx="1">
-            <a:schemeClr val="accent2"/>
-          </a:effectRef>
-          <a:fontRef idx="minor">
-            <a:schemeClr val="dk1"/>
-          </a:fontRef>
-        </p:style>
-        <p:txBody>
-          <a:bodyPr rtlCol="0" anchor="ctr"/>
-          <a:lstStyle/>
-          <a:p>
-            <a:pPr algn="ctr"/>
-            <a:endParaRPr lang="en-SG"/>
-          </a:p>
-        </p:txBody>
-      </p:sp>
-      <p:sp>
-        <p:nvSpPr>
           <p:cNvPr id="144" name="Rectangle 143"/>
           <p:cNvSpPr/>
           <p:nvPr/>
@@ -9661,74 +8740,636 @@
           </a:p>
         </p:txBody>
       </p:sp>
-      <p:sp>
-        <p:nvSpPr>
-          <p:cNvPr id="118" name="Freeform 117"/>
+      <p:cxnSp>
+        <p:nvCxnSpPr>
+          <p:cNvPr id="17" name="Elbow Connector 16"/>
+          <p:cNvCxnSpPr>
+            <a:stCxn id="45" idx="2"/>
+            <a:endCxn id="36" idx="1"/>
+          </p:cNvCxnSpPr>
+          <p:nvPr/>
+        </p:nvCxnSpPr>
+        <p:spPr>
+          <a:xfrm rot="16200000" flipH="1">
+            <a:off x="2479256" y="3416683"/>
+            <a:ext cx="583201" cy="252390"/>
+          </a:xfrm>
+          <a:prstGeom prst="bentConnector2">
+            <a:avLst/>
+          </a:prstGeom>
+          <a:ln w="12700">
+            <a:solidFill>
+              <a:schemeClr val="accent3"/>
+            </a:solidFill>
+            <a:tailEnd type="triangle"/>
+          </a:ln>
+        </p:spPr>
+        <p:style>
+          <a:lnRef idx="1">
+            <a:schemeClr val="accent1"/>
+          </a:lnRef>
+          <a:fillRef idx="0">
+            <a:schemeClr val="accent1"/>
+          </a:fillRef>
+          <a:effectRef idx="0">
+            <a:schemeClr val="accent1"/>
+          </a:effectRef>
+          <a:fontRef idx="minor">
+            <a:schemeClr val="tx1"/>
+          </a:fontRef>
+        </p:style>
+      </p:cxnSp>
+      <p:sp>
+        <p:nvSpPr>
+          <p:cNvPr id="45" name="Rectangle 8"/>
           <p:cNvSpPr/>
           <p:nvPr/>
         </p:nvSpPr>
         <p:spPr>
+          <a:xfrm>
+            <a:off x="1995228" y="2904518"/>
+            <a:ext cx="1298865" cy="346760"/>
+          </a:xfrm>
+          <a:prstGeom prst="rect">
+            <a:avLst/>
+          </a:prstGeom>
+          <a:ln w="19050">
+            <a:solidFill>
+              <a:schemeClr val="accent3"/>
+            </a:solidFill>
+          </a:ln>
+          <a:effectLst/>
+        </p:spPr>
+        <p:style>
+          <a:lnRef idx="1">
+            <a:schemeClr val="accent3"/>
+          </a:lnRef>
+          <a:fillRef idx="2">
+            <a:schemeClr val="accent3"/>
+          </a:fillRef>
+          <a:effectRef idx="1">
+            <a:schemeClr val="accent3"/>
+          </a:effectRef>
+          <a:fontRef idx="minor">
+            <a:schemeClr val="dk1"/>
+          </a:fontRef>
+        </p:style>
+        <p:txBody>
+          <a:bodyPr rtlCol="0" anchor="ctr"/>
+          <a:lstStyle/>
+          <a:p>
+            <a:pPr algn="ctr"/>
+            <a:r>
+              <a:rPr lang="en-US" sz="1050" b="1" smtClean="0">
+                <a:solidFill>
+                  <a:schemeClr val="accent3">
+                    <a:lumMod val="75000"/>
+                  </a:schemeClr>
+                </a:solidFill>
+              </a:rPr>
+              <a:t>AppViewController</a:t>
+            </a:r>
+            <a:endParaRPr lang="en-SG" sz="1050" b="1" dirty="0">
+              <a:solidFill>
+                <a:schemeClr val="accent3">
+                  <a:lumMod val="75000"/>
+                </a:schemeClr>
+              </a:solidFill>
+            </a:endParaRPr>
+          </a:p>
+        </p:txBody>
+      </p:sp>
+      <p:cxnSp>
+        <p:nvCxnSpPr>
+          <p:cNvPr id="6" name="Straight Arrow Connector 5"/>
+          <p:cNvCxnSpPr>
+            <a:stCxn id="2" idx="2"/>
+            <a:endCxn id="45" idx="0"/>
+          </p:cNvCxnSpPr>
+          <p:nvPr/>
+        </p:nvCxnSpPr>
+        <p:spPr>
+          <a:xfrm>
+            <a:off x="2642766" y="2687980"/>
+            <a:ext cx="1895" cy="216538"/>
+          </a:xfrm>
+          <a:prstGeom prst="straightConnector1">
+            <a:avLst/>
+          </a:prstGeom>
+          <a:ln>
+            <a:solidFill>
+              <a:schemeClr val="accent3"/>
+            </a:solidFill>
+            <a:tailEnd type="triangle"/>
+          </a:ln>
+        </p:spPr>
+        <p:style>
+          <a:lnRef idx="1">
+            <a:schemeClr val="accent1"/>
+          </a:lnRef>
+          <a:fillRef idx="0">
+            <a:schemeClr val="accent1"/>
+          </a:fillRef>
+          <a:effectRef idx="0">
+            <a:schemeClr val="accent1"/>
+          </a:effectRef>
+          <a:fontRef idx="minor">
+            <a:schemeClr val="tx1"/>
+          </a:fontRef>
+        </p:style>
+      </p:cxnSp>
+      <p:cxnSp>
+        <p:nvCxnSpPr>
+          <p:cNvPr id="14" name="Elbow Connector 13"/>
+          <p:cNvCxnSpPr>
+            <a:stCxn id="45" idx="2"/>
+            <a:endCxn id="34" idx="1"/>
+          </p:cNvCxnSpPr>
+          <p:nvPr/>
+        </p:nvCxnSpPr>
+        <p:spPr>
+          <a:xfrm rot="16200000" flipH="1">
+            <a:off x="2658808" y="3237131"/>
+            <a:ext cx="223536" cy="251830"/>
+          </a:xfrm>
+          <a:prstGeom prst="bentConnector2">
+            <a:avLst/>
+          </a:prstGeom>
+          <a:ln w="12700">
+            <a:solidFill>
+              <a:schemeClr val="accent3"/>
+            </a:solidFill>
+            <a:tailEnd type="triangle"/>
+          </a:ln>
+        </p:spPr>
+        <p:style>
+          <a:lnRef idx="1">
+            <a:schemeClr val="accent1"/>
+          </a:lnRef>
+          <a:fillRef idx="0">
+            <a:schemeClr val="accent1"/>
+          </a:fillRef>
+          <a:effectRef idx="0">
+            <a:schemeClr val="accent1"/>
+          </a:effectRef>
+          <a:fontRef idx="minor">
+            <a:schemeClr val="tx1"/>
+          </a:fontRef>
+        </p:style>
+      </p:cxnSp>
+      <p:cxnSp>
+        <p:nvCxnSpPr>
+          <p:cNvPr id="32" name="Elbow Connector 31"/>
+          <p:cNvCxnSpPr>
+            <a:stCxn id="37" idx="2"/>
+            <a:endCxn id="117" idx="0"/>
+          </p:cNvCxnSpPr>
+          <p:nvPr/>
+        </p:nvCxnSpPr>
+        <p:spPr>
+          <a:xfrm rot="16200000" flipH="1">
+            <a:off x="5990012" y="3978893"/>
+            <a:ext cx="457545" cy="1033463"/>
+          </a:xfrm>
+          <a:prstGeom prst="bentConnector2">
+            <a:avLst/>
+          </a:prstGeom>
+          <a:ln w="12700">
+            <a:solidFill>
+              <a:schemeClr val="accent3"/>
+            </a:solidFill>
+            <a:prstDash val="sysDot"/>
+            <a:tailEnd type="triangle"/>
+          </a:ln>
+        </p:spPr>
+        <p:style>
+          <a:lnRef idx="1">
+            <a:schemeClr val="accent1"/>
+          </a:lnRef>
+          <a:fillRef idx="0">
+            <a:schemeClr val="accent1"/>
+          </a:fillRef>
+          <a:effectRef idx="0">
+            <a:schemeClr val="accent1"/>
+          </a:effectRef>
+          <a:fontRef idx="minor">
+            <a:schemeClr val="tx1"/>
+          </a:fontRef>
+        </p:style>
+      </p:cxnSp>
+      <p:cxnSp>
+        <p:nvCxnSpPr>
+          <p:cNvPr id="46" name="Straight Arrow Connector 45"/>
+          <p:cNvCxnSpPr>
+            <a:stCxn id="34" idx="3"/>
+            <a:endCxn id="3" idx="1"/>
+          </p:cNvCxnSpPr>
+          <p:nvPr/>
+        </p:nvCxnSpPr>
+        <p:spPr>
+          <a:xfrm>
+            <a:off x="4190163" y="3474814"/>
+            <a:ext cx="315166" cy="0"/>
+          </a:xfrm>
+          <a:prstGeom prst="straightConnector1">
+            <a:avLst/>
+          </a:prstGeom>
+          <a:ln w="12700">
+            <a:solidFill>
+              <a:schemeClr val="accent3"/>
+            </a:solidFill>
+            <a:tailEnd type="triangle"/>
+          </a:ln>
+        </p:spPr>
+        <p:style>
+          <a:lnRef idx="1">
+            <a:schemeClr val="accent1"/>
+          </a:lnRef>
+          <a:fillRef idx="0">
+            <a:schemeClr val="accent1"/>
+          </a:fillRef>
+          <a:effectRef idx="0">
+            <a:schemeClr val="accent1"/>
+          </a:effectRef>
+          <a:fontRef idx="minor">
+            <a:schemeClr val="tx1"/>
+          </a:fontRef>
+        </p:style>
+      </p:cxnSp>
+      <p:cxnSp>
+        <p:nvCxnSpPr>
+          <p:cNvPr id="49" name="Elbow Connector 48"/>
+          <p:cNvCxnSpPr>
+            <a:endCxn id="43" idx="1"/>
+          </p:cNvCxnSpPr>
+          <p:nvPr/>
+        </p:nvCxnSpPr>
+        <p:spPr>
+          <a:xfrm>
+            <a:off x="4190164" y="3476426"/>
+            <a:ext cx="315166" cy="292621"/>
+          </a:xfrm>
+          <a:prstGeom prst="bentConnector3">
+            <a:avLst/>
+          </a:prstGeom>
+          <a:ln w="12700">
+            <a:solidFill>
+              <a:schemeClr val="accent3"/>
+            </a:solidFill>
+            <a:tailEnd type="triangle"/>
+          </a:ln>
+        </p:spPr>
+        <p:style>
+          <a:lnRef idx="1">
+            <a:schemeClr val="accent1"/>
+          </a:lnRef>
+          <a:fillRef idx="0">
+            <a:schemeClr val="accent1"/>
+          </a:fillRef>
+          <a:effectRef idx="0">
+            <a:schemeClr val="accent1"/>
+          </a:effectRef>
+          <a:fontRef idx="minor">
+            <a:schemeClr val="tx1"/>
+          </a:fontRef>
+        </p:style>
+      </p:cxnSp>
+      <p:sp>
+        <p:nvSpPr>
+          <p:cNvPr id="80" name="Rectangle 62"/>
+          <p:cNvSpPr/>
+          <p:nvPr/>
+        </p:nvSpPr>
+        <p:spPr>
+          <a:xfrm>
+            <a:off x="5143948" y="2645177"/>
+            <a:ext cx="772043" cy="346760"/>
+          </a:xfrm>
+          <a:prstGeom prst="rect">
+            <a:avLst/>
+          </a:prstGeom>
+          <a:ln w="6350">
+            <a:solidFill>
+              <a:schemeClr val="accent3"/>
+            </a:solidFill>
+          </a:ln>
+          <a:effectLst/>
+        </p:spPr>
+        <p:style>
+          <a:lnRef idx="1">
+            <a:schemeClr val="accent3"/>
+          </a:lnRef>
+          <a:fillRef idx="2">
+            <a:schemeClr val="accent3"/>
+          </a:fillRef>
+          <a:effectRef idx="1">
+            <a:schemeClr val="accent3"/>
+          </a:effectRef>
+          <a:fontRef idx="minor">
+            <a:schemeClr val="dk1"/>
+          </a:fontRef>
+        </p:style>
+        <p:txBody>
+          <a:bodyPr rtlCol="0" anchor="ctr"/>
+          <a:lstStyle/>
+          <a:p>
+            <a:pPr algn="ctr"/>
+            <a:r>
+              <a:rPr lang="en-US" sz="1050" b="1" dirty="0" smtClean="0">
+                <a:solidFill>
+                  <a:schemeClr val="accent3">
+                    <a:lumMod val="75000"/>
+                  </a:schemeClr>
+                </a:solidFill>
+              </a:rPr>
+              <a:t>{abstract}</a:t>
+            </a:r>
+            <a:br>
+              <a:rPr lang="en-US" sz="1050" b="1" dirty="0" smtClean="0">
+                <a:solidFill>
+                  <a:schemeClr val="accent3">
+                    <a:lumMod val="75000"/>
+                  </a:schemeClr>
+                </a:solidFill>
+              </a:rPr>
+            </a:br>
+            <a:r>
+              <a:rPr lang="en-US" sz="1050" b="1" dirty="0" smtClean="0">
+                <a:solidFill>
+                  <a:schemeClr val="accent3">
+                    <a:lumMod val="75000"/>
+                  </a:schemeClr>
+                </a:solidFill>
+              </a:rPr>
+              <a:t>Controller</a:t>
+            </a:r>
+            <a:endParaRPr lang="en-SG" sz="1050" b="1" dirty="0">
+              <a:solidFill>
+                <a:schemeClr val="accent3">
+                  <a:lumMod val="75000"/>
+                </a:schemeClr>
+              </a:solidFill>
+            </a:endParaRPr>
+          </a:p>
+        </p:txBody>
+      </p:sp>
+      <p:sp>
+        <p:nvSpPr>
+          <p:cNvPr id="81" name="Isosceles Triangle 102"/>
+          <p:cNvSpPr/>
+          <p:nvPr/>
+        </p:nvSpPr>
+        <p:spPr>
+          <a:xfrm rot="10800000" flipV="1">
+            <a:off x="5410983" y="2982405"/>
+            <a:ext cx="270504" cy="175523"/>
+          </a:xfrm>
+          <a:prstGeom prst="triangle">
+            <a:avLst/>
+          </a:prstGeom>
+          <a:ln w="6350">
+            <a:solidFill>
+              <a:schemeClr val="accent3"/>
+            </a:solidFill>
+          </a:ln>
+          <a:effectLst/>
+        </p:spPr>
+        <p:style>
+          <a:lnRef idx="1">
+            <a:schemeClr val="accent3"/>
+          </a:lnRef>
+          <a:fillRef idx="2">
+            <a:schemeClr val="accent3"/>
+          </a:fillRef>
+          <a:effectRef idx="1">
+            <a:schemeClr val="accent3"/>
+          </a:effectRef>
+          <a:fontRef idx="minor">
+            <a:schemeClr val="dk1"/>
+          </a:fontRef>
+        </p:style>
+        <p:txBody>
+          <a:bodyPr rtlCol="0" anchor="ctr"/>
+          <a:lstStyle/>
+          <a:p>
+            <a:pPr algn="ctr"/>
+            <a:endParaRPr lang="en-SG" sz="1050" b="1">
+              <a:solidFill>
+                <a:srgbClr val="92D050"/>
+              </a:solidFill>
+            </a:endParaRPr>
+          </a:p>
+        </p:txBody>
+      </p:sp>
+      <p:cxnSp>
+        <p:nvCxnSpPr>
+          <p:cNvPr id="58" name="Elbow Connector 57"/>
+          <p:cNvCxnSpPr>
+            <a:stCxn id="34" idx="0"/>
+            <a:endCxn id="81" idx="3"/>
+          </p:cNvCxnSpPr>
+          <p:nvPr/>
+        </p:nvCxnSpPr>
+        <p:spPr>
+          <a:xfrm rot="5400000" flipH="1" flipV="1">
+            <a:off x="4445549" y="2255707"/>
+            <a:ext cx="198465" cy="2002908"/>
+          </a:xfrm>
+          <a:prstGeom prst="bentConnector3">
+            <a:avLst/>
+          </a:prstGeom>
+          <a:ln>
+            <a:solidFill>
+              <a:schemeClr val="accent3"/>
+            </a:solidFill>
+          </a:ln>
+        </p:spPr>
+        <p:style>
+          <a:lnRef idx="1">
+            <a:schemeClr val="accent1"/>
+          </a:lnRef>
+          <a:fillRef idx="0">
+            <a:schemeClr val="accent1"/>
+          </a:fillRef>
+          <a:effectRef idx="0">
+            <a:schemeClr val="accent1"/>
+          </a:effectRef>
+          <a:fontRef idx="minor">
+            <a:schemeClr val="tx1"/>
+          </a:fontRef>
+        </p:style>
+      </p:cxnSp>
+      <p:cxnSp>
+        <p:nvCxnSpPr>
+          <p:cNvPr id="60" name="Elbow Connector 59"/>
+          <p:cNvCxnSpPr>
+            <a:stCxn id="36" idx="0"/>
+            <a:endCxn id="81" idx="3"/>
+          </p:cNvCxnSpPr>
+          <p:nvPr/>
+        </p:nvCxnSpPr>
+        <p:spPr>
+          <a:xfrm rot="5400000" flipH="1" flipV="1">
+            <a:off x="4265996" y="2435820"/>
+            <a:ext cx="558130" cy="2002347"/>
+          </a:xfrm>
+          <a:prstGeom prst="bentConnector3">
+            <a:avLst>
+              <a:gd name="adj1" fmla="val 81856"/>
+            </a:avLst>
+          </a:prstGeom>
+          <a:ln w="3175">
+            <a:solidFill>
+              <a:schemeClr val="accent3"/>
+            </a:solidFill>
+          </a:ln>
+        </p:spPr>
+        <p:style>
+          <a:lnRef idx="1">
+            <a:schemeClr val="accent1"/>
+          </a:lnRef>
+          <a:fillRef idx="0">
+            <a:schemeClr val="accent1"/>
+          </a:fillRef>
+          <a:effectRef idx="0">
+            <a:schemeClr val="accent1"/>
+          </a:effectRef>
+          <a:fontRef idx="minor">
+            <a:schemeClr val="tx1"/>
+          </a:fontRef>
+        </p:style>
+      </p:cxnSp>
+      <p:sp>
+        <p:nvSpPr>
+          <p:cNvPr id="34" name="Rectangle 11"/>
+          <p:cNvSpPr/>
+          <p:nvPr/>
+        </p:nvSpPr>
+        <p:spPr>
+          <a:xfrm>
+            <a:off x="2896491" y="3356393"/>
+            <a:ext cx="1293672" cy="236841"/>
+          </a:xfrm>
+          <a:prstGeom prst="rect">
+            <a:avLst/>
+          </a:prstGeom>
+          <a:ln w="19050">
+            <a:solidFill>
+              <a:schemeClr val="accent3"/>
+            </a:solidFill>
+          </a:ln>
+          <a:effectLst/>
+        </p:spPr>
+        <p:style>
+          <a:lnRef idx="1">
+            <a:schemeClr val="accent3"/>
+          </a:lnRef>
+          <a:fillRef idx="2">
+            <a:schemeClr val="accent3"/>
+          </a:fillRef>
+          <a:effectRef idx="1">
+            <a:schemeClr val="accent3"/>
+          </a:effectRef>
+          <a:fontRef idx="minor">
+            <a:schemeClr val="dk1"/>
+          </a:fontRef>
+        </p:style>
+        <p:txBody>
+          <a:bodyPr rtlCol="0" anchor="ctr"/>
+          <a:lstStyle/>
+          <a:p>
+            <a:pPr algn="ctr"/>
+            <a:r>
+              <a:rPr lang="en-US" sz="1050" b="1" dirty="0" err="1" smtClean="0">
+                <a:solidFill>
+                  <a:schemeClr val="accent3">
+                    <a:lumMod val="75000"/>
+                  </a:schemeClr>
+                </a:solidFill>
+              </a:rPr>
+              <a:t>TaskViewController</a:t>
+            </a:r>
+            <a:endParaRPr lang="en-SG" sz="1050" b="1" dirty="0">
+              <a:solidFill>
+                <a:schemeClr val="accent3">
+                  <a:lumMod val="75000"/>
+                </a:schemeClr>
+              </a:solidFill>
+            </a:endParaRPr>
+          </a:p>
+        </p:txBody>
+      </p:sp>
+      <p:cxnSp>
+        <p:nvCxnSpPr>
+          <p:cNvPr id="66" name="Elbow Connector 65"/>
+          <p:cNvCxnSpPr>
+            <a:stCxn id="34" idx="3"/>
+            <a:endCxn id="22" idx="0"/>
+          </p:cNvCxnSpPr>
+          <p:nvPr/>
+        </p:nvCxnSpPr>
+        <p:spPr>
           <a:xfrm flipV="1">
-            <a:off x="4114799" y="4472708"/>
-            <a:ext cx="2642195" cy="101600"/>
-          </a:xfrm>
-          <a:custGeom>
-            <a:avLst/>
-            <a:gdLst>
-              <a:gd name="connsiteX0" fmla="*/ 0 w 3048000"/>
-              <a:gd name="connsiteY0" fmla="*/ 203200 h 203200"/>
-              <a:gd name="connsiteX1" fmla="*/ 221673 w 3048000"/>
-              <a:gd name="connsiteY1" fmla="*/ 0 h 203200"/>
-              <a:gd name="connsiteX2" fmla="*/ 3048000 w 3048000"/>
-              <a:gd name="connsiteY2" fmla="*/ 0 h 203200"/>
-            </a:gdLst>
-            <a:ahLst/>
-            <a:cxnLst>
-              <a:cxn ang="0">
-                <a:pos x="connsiteX0" y="connsiteY0"/>
-              </a:cxn>
-              <a:cxn ang="0">
-                <a:pos x="connsiteX1" y="connsiteY1"/>
-              </a:cxn>
-              <a:cxn ang="0">
-                <a:pos x="connsiteX2" y="connsiteY2"/>
-              </a:cxn>
-            </a:cxnLst>
-            <a:rect l="l" t="t" r="r" b="b"/>
-            <a:pathLst>
-              <a:path w="3048000" h="203200">
-                <a:moveTo>
-                  <a:pt x="0" y="203200"/>
-                </a:moveTo>
-                <a:lnTo>
-                  <a:pt x="221673" y="0"/>
-                </a:lnTo>
-                <a:lnTo>
-                  <a:pt x="3048000" y="0"/>
-                </a:lnTo>
-              </a:path>
-            </a:pathLst>
-          </a:custGeom>
-          <a:noFill/>
+            <a:off x="4190163" y="2628899"/>
+            <a:ext cx="2530744" cy="845915"/>
+          </a:xfrm>
+          <a:prstGeom prst="bentConnector3">
+            <a:avLst>
+              <a:gd name="adj1" fmla="val 72750"/>
+            </a:avLst>
+          </a:prstGeom>
+          <a:ln w="15875">
+            <a:solidFill>
+              <a:schemeClr val="accent3"/>
+            </a:solidFill>
+            <a:tailEnd type="triangle"/>
+          </a:ln>
+        </p:spPr>
+        <p:style>
+          <a:lnRef idx="1">
+            <a:schemeClr val="accent1"/>
+          </a:lnRef>
+          <a:fillRef idx="0">
+            <a:schemeClr val="accent1"/>
+          </a:fillRef>
+          <a:effectRef idx="0">
+            <a:schemeClr val="accent1"/>
+          </a:effectRef>
+          <a:fontRef idx="minor">
+            <a:schemeClr val="tx1"/>
+          </a:fontRef>
+        </p:style>
+      </p:cxnSp>
+      <p:sp>
+        <p:nvSpPr>
+          <p:cNvPr id="3" name="Rectangle 11"/>
+          <p:cNvSpPr/>
+          <p:nvPr/>
+        </p:nvSpPr>
+        <p:spPr>
+          <a:xfrm>
+            <a:off x="4505329" y="3356393"/>
+            <a:ext cx="1024640" cy="236841"/>
+          </a:xfrm>
+          <a:prstGeom prst="rect">
+            <a:avLst/>
+          </a:prstGeom>
           <a:ln w="19050">
             <a:solidFill>
               <a:schemeClr val="accent3"/>
             </a:solidFill>
-            <a:prstDash val="sysDot"/>
-            <a:headEnd type="none" w="med" len="med"/>
-            <a:tailEnd type="arrow" w="med" len="med"/>
           </a:ln>
           <a:effectLst/>
         </p:spPr>
         <p:style>
           <a:lnRef idx="1">
-            <a:schemeClr val="accent2"/>
+            <a:schemeClr val="accent3"/>
           </a:lnRef>
           <a:fillRef idx="2">
-            <a:schemeClr val="accent2"/>
+            <a:schemeClr val="accent3"/>
           </a:fillRef>
           <a:effectRef idx="1">
-            <a:schemeClr val="accent2"/>
+            <a:schemeClr val="accent3"/>
           </a:effectRef>
           <a:fontRef idx="minor">
             <a:schemeClr val="dk1"/>
@@ -9739,10 +9380,164 @@
           <a:lstStyle/>
           <a:p>
             <a:pPr algn="ctr"/>
-            <a:endParaRPr lang="en-SG"/>
-          </a:p>
-        </p:txBody>
-      </p:sp>
+            <a:r>
+              <a:rPr lang="en-US" sz="1050" b="1" dirty="0" err="1" smtClean="0">
+                <a:solidFill>
+                  <a:schemeClr val="accent3">
+                    <a:lumMod val="75000"/>
+                  </a:schemeClr>
+                </a:solidFill>
+              </a:rPr>
+              <a:t>CommandArea</a:t>
+            </a:r>
+            <a:endParaRPr lang="en-SG" sz="1050" b="1" dirty="0">
+              <a:solidFill>
+                <a:schemeClr val="accent3">
+                  <a:lumMod val="75000"/>
+                </a:schemeClr>
+              </a:solidFill>
+            </a:endParaRPr>
+          </a:p>
+        </p:txBody>
+      </p:sp>
+      <p:sp>
+        <p:nvSpPr>
+          <p:cNvPr id="93" name="Rectangle 11"/>
+          <p:cNvSpPr/>
+          <p:nvPr/>
+        </p:nvSpPr>
+        <p:spPr>
+          <a:xfrm>
+            <a:off x="3835241" y="4600284"/>
+            <a:ext cx="1093635" cy="236841"/>
+          </a:xfrm>
+          <a:prstGeom prst="rect">
+            <a:avLst/>
+          </a:prstGeom>
+          <a:ln w="19050">
+            <a:solidFill>
+              <a:schemeClr val="accent3"/>
+            </a:solidFill>
+          </a:ln>
+          <a:effectLst/>
+        </p:spPr>
+        <p:style>
+          <a:lnRef idx="1">
+            <a:schemeClr val="accent3"/>
+          </a:lnRef>
+          <a:fillRef idx="2">
+            <a:schemeClr val="accent3"/>
+          </a:fillRef>
+          <a:effectRef idx="1">
+            <a:schemeClr val="accent3"/>
+          </a:effectRef>
+          <a:fontRef idx="minor">
+            <a:schemeClr val="dk1"/>
+          </a:fontRef>
+        </p:style>
+        <p:txBody>
+          <a:bodyPr rtlCol="0" anchor="ctr"/>
+          <a:lstStyle/>
+          <a:p>
+            <a:pPr algn="ctr"/>
+            <a:r>
+              <a:rPr lang="en-US" sz="1050" b="1" dirty="0" err="1" smtClean="0">
+                <a:solidFill>
+                  <a:schemeClr val="accent3">
+                    <a:lumMod val="75000"/>
+                  </a:schemeClr>
+                </a:solidFill>
+              </a:rPr>
+              <a:t>HelpCard</a:t>
+            </a:r>
+            <a:endParaRPr lang="en-SG" sz="1050" b="1" dirty="0">
+              <a:solidFill>
+                <a:schemeClr val="accent3">
+                  <a:lumMod val="75000"/>
+                </a:schemeClr>
+              </a:solidFill>
+            </a:endParaRPr>
+          </a:p>
+        </p:txBody>
+      </p:sp>
+      <p:cxnSp>
+        <p:nvCxnSpPr>
+          <p:cNvPr id="69" name="Elbow Connector 68"/>
+          <p:cNvCxnSpPr>
+            <a:stCxn id="36" idx="2"/>
+            <a:endCxn id="38" idx="0"/>
+          </p:cNvCxnSpPr>
+          <p:nvPr/>
+        </p:nvCxnSpPr>
+        <p:spPr>
+          <a:xfrm rot="5400000">
+            <a:off x="3429431" y="4066796"/>
+            <a:ext cx="228354" cy="561"/>
+          </a:xfrm>
+          <a:prstGeom prst="bentConnector3">
+            <a:avLst/>
+          </a:prstGeom>
+          <a:ln w="15875">
+            <a:solidFill>
+              <a:schemeClr val="accent3"/>
+            </a:solidFill>
+            <a:tailEnd type="triangle"/>
+          </a:ln>
+        </p:spPr>
+        <p:style>
+          <a:lnRef idx="1">
+            <a:schemeClr val="accent1"/>
+          </a:lnRef>
+          <a:fillRef idx="0">
+            <a:schemeClr val="accent1"/>
+          </a:fillRef>
+          <a:effectRef idx="0">
+            <a:schemeClr val="accent1"/>
+          </a:effectRef>
+          <a:fontRef idx="minor">
+            <a:schemeClr val="tx1"/>
+          </a:fontRef>
+        </p:style>
+      </p:cxnSp>
+      <p:cxnSp>
+        <p:nvCxnSpPr>
+          <p:cNvPr id="75" name="Elbow Connector 74"/>
+          <p:cNvCxnSpPr>
+            <a:stCxn id="38" idx="2"/>
+            <a:endCxn id="93" idx="1"/>
+          </p:cNvCxnSpPr>
+          <p:nvPr/>
+        </p:nvCxnSpPr>
+        <p:spPr>
+          <a:xfrm rot="16200000" flipH="1">
+            <a:off x="3538979" y="4422442"/>
+            <a:ext cx="300611" cy="291914"/>
+          </a:xfrm>
+          <a:prstGeom prst="bentConnector2">
+            <a:avLst/>
+          </a:prstGeom>
+          <a:ln w="15875">
+            <a:solidFill>
+              <a:schemeClr val="accent3"/>
+            </a:solidFill>
+            <a:tailEnd type="triangle"/>
+          </a:ln>
+        </p:spPr>
+        <p:style>
+          <a:lnRef idx="1">
+            <a:schemeClr val="accent1"/>
+          </a:lnRef>
+          <a:fillRef idx="0">
+            <a:schemeClr val="accent1"/>
+          </a:fillRef>
+          <a:effectRef idx="0">
+            <a:schemeClr val="accent1"/>
+          </a:effectRef>
+          <a:fontRef idx="minor">
+            <a:schemeClr val="tx1"/>
+          </a:fontRef>
+        </p:style>
+      </p:cxnSp>
     </p:spTree>
     <p:extLst>
       <p:ext uri="{BB962C8B-B14F-4D97-AF65-F5344CB8AC3E}">
@@ -12280,7 +12075,6 @@
               <a:rPr lang="en-US" dirty="0"/>
               <a:t>execute()</a:t>
             </a:r>
-            <a:endParaRPr lang="en-US" dirty="0"/>
           </a:p>
         </p:txBody>
       </p:sp>

--- a/docs/diagrams/Diagrams.pptx
+++ b/docs/diagrams/Diagrams.pptx
@@ -217,7 +217,7 @@
           <a:p>
             <a:fld id="{F5CC4B3F-88C1-4FFA-B1B6-F41C21DC6924}" type="datetimeFigureOut">
               <a:rPr lang="en-US" smtClean="0"/>
-              <a:t>11/6/16</a:t>
+              <a:t>11/7/16</a:t>
             </a:fld>
             <a:endParaRPr lang="en-US"/>
           </a:p>
@@ -666,7 +666,7 @@
           <a:p>
             <a:fld id="{78C97017-6FC3-485B-9764-EAC9E56C1D49}" type="datetimeFigureOut">
               <a:rPr lang="en-US" smtClean="0"/>
-              <a:t>11/6/16</a:t>
+              <a:t>11/7/16</a:t>
             </a:fld>
             <a:endParaRPr lang="en-US"/>
           </a:p>
@@ -836,7 +836,7 @@
           <a:p>
             <a:fld id="{78C97017-6FC3-485B-9764-EAC9E56C1D49}" type="datetimeFigureOut">
               <a:rPr lang="en-US" smtClean="0"/>
-              <a:t>11/6/16</a:t>
+              <a:t>11/7/16</a:t>
             </a:fld>
             <a:endParaRPr lang="en-US"/>
           </a:p>
@@ -1016,7 +1016,7 @@
           <a:p>
             <a:fld id="{78C97017-6FC3-485B-9764-EAC9E56C1D49}" type="datetimeFigureOut">
               <a:rPr lang="en-US" smtClean="0"/>
-              <a:t>11/6/16</a:t>
+              <a:t>11/7/16</a:t>
             </a:fld>
             <a:endParaRPr lang="en-US"/>
           </a:p>
@@ -1186,7 +1186,7 @@
           <a:p>
             <a:fld id="{78C97017-6FC3-485B-9764-EAC9E56C1D49}" type="datetimeFigureOut">
               <a:rPr lang="en-US" smtClean="0"/>
-              <a:t>11/6/16</a:t>
+              <a:t>11/7/16</a:t>
             </a:fld>
             <a:endParaRPr lang="en-US"/>
           </a:p>
@@ -1432,7 +1432,7 @@
           <a:p>
             <a:fld id="{78C97017-6FC3-485B-9764-EAC9E56C1D49}" type="datetimeFigureOut">
               <a:rPr lang="en-US" smtClean="0"/>
-              <a:t>11/6/16</a:t>
+              <a:t>11/7/16</a:t>
             </a:fld>
             <a:endParaRPr lang="en-US"/>
           </a:p>
@@ -1720,7 +1720,7 @@
           <a:p>
             <a:fld id="{78C97017-6FC3-485B-9764-EAC9E56C1D49}" type="datetimeFigureOut">
               <a:rPr lang="en-US" smtClean="0"/>
-              <a:t>11/6/16</a:t>
+              <a:t>11/7/16</a:t>
             </a:fld>
             <a:endParaRPr lang="en-US"/>
           </a:p>
@@ -2142,7 +2142,7 @@
           <a:p>
             <a:fld id="{78C97017-6FC3-485B-9764-EAC9E56C1D49}" type="datetimeFigureOut">
               <a:rPr lang="en-US" smtClean="0"/>
-              <a:t>11/6/16</a:t>
+              <a:t>11/7/16</a:t>
             </a:fld>
             <a:endParaRPr lang="en-US"/>
           </a:p>
@@ -2260,7 +2260,7 @@
           <a:p>
             <a:fld id="{78C97017-6FC3-485B-9764-EAC9E56C1D49}" type="datetimeFigureOut">
               <a:rPr lang="en-US" smtClean="0"/>
-              <a:t>11/6/16</a:t>
+              <a:t>11/7/16</a:t>
             </a:fld>
             <a:endParaRPr lang="en-US"/>
           </a:p>
@@ -2355,7 +2355,7 @@
           <a:p>
             <a:fld id="{78C97017-6FC3-485B-9764-EAC9E56C1D49}" type="datetimeFigureOut">
               <a:rPr lang="en-US" smtClean="0"/>
-              <a:t>11/6/16</a:t>
+              <a:t>11/7/16</a:t>
             </a:fld>
             <a:endParaRPr lang="en-US"/>
           </a:p>
@@ -2632,7 +2632,7 @@
           <a:p>
             <a:fld id="{78C97017-6FC3-485B-9764-EAC9E56C1D49}" type="datetimeFigureOut">
               <a:rPr lang="en-US" smtClean="0"/>
-              <a:t>11/6/16</a:t>
+              <a:t>11/7/16</a:t>
             </a:fld>
             <a:endParaRPr lang="en-US"/>
           </a:p>
@@ -2885,7 +2885,7 @@
           <a:p>
             <a:fld id="{78C97017-6FC3-485B-9764-EAC9E56C1D49}" type="datetimeFigureOut">
               <a:rPr lang="en-US" smtClean="0"/>
-              <a:t>11/6/16</a:t>
+              <a:t>11/7/16</a:t>
             </a:fld>
             <a:endParaRPr lang="en-US"/>
           </a:p>
@@ -3098,7 +3098,7 @@
           <a:p>
             <a:fld id="{78C97017-6FC3-485B-9764-EAC9E56C1D49}" type="datetimeFigureOut">
               <a:rPr lang="en-US" smtClean="0"/>
-              <a:t>11/6/16</a:t>
+              <a:t>11/7/16</a:t>
             </a:fld>
             <a:endParaRPr lang="en-US"/>
           </a:p>
@@ -8867,7 +8867,7 @@
         <p:spPr>
           <a:xfrm>
             <a:off x="1217465" y="1447800"/>
-            <a:ext cx="4917083" cy="3962400"/>
+            <a:ext cx="5107135" cy="3962400"/>
           </a:xfrm>
           <a:prstGeom prst="roundRect">
             <a:avLst>
@@ -10160,6 +10160,7 @@
             <a:solidFill>
               <a:schemeClr val="accent3"/>
             </a:solidFill>
+            <a:prstDash val="solid"/>
             <a:tailEnd type="triangle"/>
           </a:ln>
         </p:spPr>
@@ -10298,6 +10299,7 @@
             <a:solidFill>
               <a:schemeClr val="accent3"/>
             </a:solidFill>
+            <a:prstDash val="solid"/>
             <a:tailEnd type="triangle"/>
           </a:ln>
         </p:spPr>
@@ -10333,11 +10335,11 @@
           <a:prstGeom prst="bentConnector2">
             <a:avLst/>
           </a:prstGeom>
-          <a:ln w="12700">
+          <a:ln w="9525" cmpd="sng">
             <a:solidFill>
               <a:schemeClr val="accent3"/>
             </a:solidFill>
-            <a:prstDash val="sysDot"/>
+            <a:prstDash val="solid"/>
             <a:tailEnd type="triangle"/>
           </a:ln>
         </p:spPr>
@@ -10398,14 +10400,12 @@
       <p:cxnSp>
         <p:nvCxnSpPr>
           <p:cNvPr id="49" name="Elbow Connector 48"/>
-          <p:cNvCxnSpPr>
-            <a:endCxn id="43" idx="1"/>
-          </p:cNvCxnSpPr>
+          <p:cNvCxnSpPr/>
           <p:nvPr/>
         </p:nvCxnSpPr>
         <p:spPr>
           <a:xfrm>
-            <a:off x="4190164" y="3476426"/>
+            <a:off x="4189883" y="3468730"/>
             <a:ext cx="315166" cy="292621"/>
           </a:xfrm>
           <a:prstGeom prst="bentConnector3">
@@ -10717,7 +10717,7 @@
               <a:gd name="adj1" fmla="val 72750"/>
             </a:avLst>
           </a:prstGeom>
-          <a:ln w="15875">
+          <a:ln w="9525">
             <a:solidFill>
               <a:schemeClr val="accent3"/>
             </a:solidFill>
